--- a/OPE/Diagrama Entidade de Relacionamento - UML.pptx
+++ b/OPE/Diagrama Entidade de Relacionamento - UML.pptx
@@ -243,7 +243,7 @@
           <a:p>
             <a:fld id="{20A1EDBB-1306-4A29-8BDE-E8C1C5735D51}" type="datetimeFigureOut">
               <a:rPr lang="pt-BR" smtClean="0"/>
-              <a:t>21/03/2018</a:t>
+              <a:t>23/04/2018</a:t>
             </a:fld>
             <a:endParaRPr lang="pt-BR"/>
           </a:p>
@@ -413,7 +413,7 @@
           <a:p>
             <a:fld id="{20A1EDBB-1306-4A29-8BDE-E8C1C5735D51}" type="datetimeFigureOut">
               <a:rPr lang="pt-BR" smtClean="0"/>
-              <a:t>21/03/2018</a:t>
+              <a:t>23/04/2018</a:t>
             </a:fld>
             <a:endParaRPr lang="pt-BR"/>
           </a:p>
@@ -593,7 +593,7 @@
           <a:p>
             <a:fld id="{20A1EDBB-1306-4A29-8BDE-E8C1C5735D51}" type="datetimeFigureOut">
               <a:rPr lang="pt-BR" smtClean="0"/>
-              <a:t>21/03/2018</a:t>
+              <a:t>23/04/2018</a:t>
             </a:fld>
             <a:endParaRPr lang="pt-BR"/>
           </a:p>
@@ -763,7 +763,7 @@
           <a:p>
             <a:fld id="{20A1EDBB-1306-4A29-8BDE-E8C1C5735D51}" type="datetimeFigureOut">
               <a:rPr lang="pt-BR" smtClean="0"/>
-              <a:t>21/03/2018</a:t>
+              <a:t>23/04/2018</a:t>
             </a:fld>
             <a:endParaRPr lang="pt-BR"/>
           </a:p>
@@ -1009,7 +1009,7 @@
           <a:p>
             <a:fld id="{20A1EDBB-1306-4A29-8BDE-E8C1C5735D51}" type="datetimeFigureOut">
               <a:rPr lang="pt-BR" smtClean="0"/>
-              <a:t>21/03/2018</a:t>
+              <a:t>23/04/2018</a:t>
             </a:fld>
             <a:endParaRPr lang="pt-BR"/>
           </a:p>
@@ -1241,7 +1241,7 @@
           <a:p>
             <a:fld id="{20A1EDBB-1306-4A29-8BDE-E8C1C5735D51}" type="datetimeFigureOut">
               <a:rPr lang="pt-BR" smtClean="0"/>
-              <a:t>21/03/2018</a:t>
+              <a:t>23/04/2018</a:t>
             </a:fld>
             <a:endParaRPr lang="pt-BR"/>
           </a:p>
@@ -1608,7 +1608,7 @@
           <a:p>
             <a:fld id="{20A1EDBB-1306-4A29-8BDE-E8C1C5735D51}" type="datetimeFigureOut">
               <a:rPr lang="pt-BR" smtClean="0"/>
-              <a:t>21/03/2018</a:t>
+              <a:t>23/04/2018</a:t>
             </a:fld>
             <a:endParaRPr lang="pt-BR"/>
           </a:p>
@@ -1726,7 +1726,7 @@
           <a:p>
             <a:fld id="{20A1EDBB-1306-4A29-8BDE-E8C1C5735D51}" type="datetimeFigureOut">
               <a:rPr lang="pt-BR" smtClean="0"/>
-              <a:t>21/03/2018</a:t>
+              <a:t>23/04/2018</a:t>
             </a:fld>
             <a:endParaRPr lang="pt-BR"/>
           </a:p>
@@ -1821,7 +1821,7 @@
           <a:p>
             <a:fld id="{20A1EDBB-1306-4A29-8BDE-E8C1C5735D51}" type="datetimeFigureOut">
               <a:rPr lang="pt-BR" smtClean="0"/>
-              <a:t>21/03/2018</a:t>
+              <a:t>23/04/2018</a:t>
             </a:fld>
             <a:endParaRPr lang="pt-BR"/>
           </a:p>
@@ -2098,7 +2098,7 @@
           <a:p>
             <a:fld id="{20A1EDBB-1306-4A29-8BDE-E8C1C5735D51}" type="datetimeFigureOut">
               <a:rPr lang="pt-BR" smtClean="0"/>
-              <a:t>21/03/2018</a:t>
+              <a:t>23/04/2018</a:t>
             </a:fld>
             <a:endParaRPr lang="pt-BR"/>
           </a:p>
@@ -2351,7 +2351,7 @@
           <a:p>
             <a:fld id="{20A1EDBB-1306-4A29-8BDE-E8C1C5735D51}" type="datetimeFigureOut">
               <a:rPr lang="pt-BR" smtClean="0"/>
-              <a:t>21/03/2018</a:t>
+              <a:t>23/04/2018</a:t>
             </a:fld>
             <a:endParaRPr lang="pt-BR"/>
           </a:p>
@@ -2564,7 +2564,7 @@
           <a:p>
             <a:fld id="{20A1EDBB-1306-4A29-8BDE-E8C1C5735D51}" type="datetimeFigureOut">
               <a:rPr lang="pt-BR" smtClean="0"/>
-              <a:t>21/03/2018</a:t>
+              <a:t>23/04/2018</a:t>
             </a:fld>
             <a:endParaRPr lang="pt-BR"/>
           </a:p>
@@ -2971,7 +2971,7 @@
       </p:grpSpPr>
       <p:pic>
         <p:nvPicPr>
-          <p:cNvPr id="2" name="Imagem 1"/>
+          <p:cNvPr id="4" name="Imagem 3"/>
           <p:cNvPicPr>
             <a:picLocks noChangeAspect="1"/>
           </p:cNvPicPr>
@@ -2985,8 +2985,8 @@
         </p:blipFill>
         <p:spPr>
           <a:xfrm>
-            <a:off x="824381" y="365168"/>
-            <a:ext cx="10225692" cy="6015113"/>
+            <a:off x="1313646" y="276722"/>
+            <a:ext cx="9504608" cy="6264942"/>
           </a:xfrm>
           <a:prstGeom prst="rect">
             <a:avLst/>
